--- a/Agentic AI Health Symptom Checker.pptx
+++ b/Agentic AI Health Symptom Checker.pptx
@@ -5,7 +5,7 @@
     <p:sldMasterId id="2147483712" r:id="rId4"/>
   </p:sldMasterIdLst>
   <p:notesMasterIdLst>
-    <p:notesMasterId r:id="rId21"/>
+    <p:notesMasterId r:id="rId22"/>
   </p:notesMasterIdLst>
   <p:sldIdLst>
     <p:sldId id="256" r:id="rId5"/>
@@ -23,7 +23,8 @@
     <p:sldId id="2146847061" r:id="rId17"/>
     <p:sldId id="2146847055" r:id="rId18"/>
     <p:sldId id="2146847059" r:id="rId19"/>
-    <p:sldId id="259" r:id="rId20"/>
+    <p:sldId id="2146847069" r:id="rId20"/>
+    <p:sldId id="259" r:id="rId21"/>
   </p:sldIdLst>
   <p:sldSz cx="12192000" cy="6858000"/>
   <p:notesSz cx="6858000" cy="9144000"/>
@@ -133,11 +134,217 @@
 <file path=ppt/revisionInfo.xml><?xml version="1.0" encoding="utf-8"?>
 <p1510:revInfo xmlns:a="http://schemas.openxmlformats.org/drawingml/2006/main" xmlns:r="http://schemas.openxmlformats.org/officeDocument/2006/relationships" xmlns:p1510="http://schemas.microsoft.com/office/powerpoint/2015/10/main">
   <p1510:revLst>
-    <p1510:client id="{392522C5-0B34-8239-4EE4-793E8B6C05A9}" v="255" dt="2025-07-01T09:33:34.532"/>
-    <p1510:client id="{D7F1B23C-5E68-AC61-D210-0912C84FE76E}" v="44" dt="2025-07-01T09:37:32.263"/>
-    <p1510:client id="{D894958A-9A7A-283B-0ADF-D9632CD88E74}" v="14" dt="2025-07-01T10:57:40.261"/>
+    <p1510:client id="{D4886C41-9DC4-49A7-A481-2C39A5D0BE6C}" v="11" dt="2025-08-04T17:48:17.626"/>
   </p1510:revLst>
 </p1510:revInfo>
+</file>
+
+<file path=ppt/changesInfos/changesInfo1.xml><?xml version="1.0" encoding="utf-8"?>
+<pc:chgInfo xmlns:a="http://schemas.openxmlformats.org/drawingml/2006/main" xmlns:r="http://schemas.openxmlformats.org/officeDocument/2006/relationships" xmlns:ac="http://schemas.microsoft.com/office/drawing/2013/main/command" xmlns:pc="http://schemas.microsoft.com/office/powerpoint/2013/main/command">
+  <pc:docChgLst>
+    <pc:chgData name="Arti Dikole" userId="9cc6781cf493934f" providerId="LiveId" clId="{D4886C41-9DC4-49A7-A481-2C39A5D0BE6C}"/>
+    <pc:docChg chg="undo custSel addSld modSld">
+      <pc:chgData name="Arti Dikole" userId="9cc6781cf493934f" providerId="LiveId" clId="{D4886C41-9DC4-49A7-A481-2C39A5D0BE6C}" dt="2025-08-04T17:48:17.626" v="61"/>
+      <pc:docMkLst>
+        <pc:docMk/>
+      </pc:docMkLst>
+      <pc:sldChg chg="addSp delSp modSp mod">
+        <pc:chgData name="Arti Dikole" userId="9cc6781cf493934f" providerId="LiveId" clId="{D4886C41-9DC4-49A7-A481-2C39A5D0BE6C}" dt="2025-08-04T17:35:02.537" v="59" actId="1076"/>
+        <pc:sldMkLst>
+          <pc:docMk/>
+          <pc:sldMk cId="384733178" sldId="2146847059"/>
+        </pc:sldMkLst>
+        <pc:picChg chg="add del mod">
+          <ac:chgData name="Arti Dikole" userId="9cc6781cf493934f" providerId="LiveId" clId="{D4886C41-9DC4-49A7-A481-2C39A5D0BE6C}" dt="2025-08-04T17:32:27.850" v="30" actId="21"/>
+          <ac:picMkLst>
+            <pc:docMk/>
+            <pc:sldMk cId="384733178" sldId="2146847059"/>
+            <ac:picMk id="5" creationId="{346E9384-7DC5-C6DA-BA5D-34AA2296232E}"/>
+          </ac:picMkLst>
+        </pc:picChg>
+        <pc:picChg chg="add del mod">
+          <ac:chgData name="Arti Dikole" userId="9cc6781cf493934f" providerId="LiveId" clId="{D4886C41-9DC4-49A7-A481-2C39A5D0BE6C}" dt="2025-08-04T17:32:27.850" v="30" actId="21"/>
+          <ac:picMkLst>
+            <pc:docMk/>
+            <pc:sldMk cId="384733178" sldId="2146847059"/>
+            <ac:picMk id="7" creationId="{E243B08C-D05D-E01B-82C3-00ECC0380964}"/>
+          </ac:picMkLst>
+        </pc:picChg>
+        <pc:picChg chg="add del mod">
+          <ac:chgData name="Arti Dikole" userId="9cc6781cf493934f" providerId="LiveId" clId="{D4886C41-9DC4-49A7-A481-2C39A5D0BE6C}" dt="2025-08-04T17:32:27.850" v="30" actId="21"/>
+          <ac:picMkLst>
+            <pc:docMk/>
+            <pc:sldMk cId="384733178" sldId="2146847059"/>
+            <ac:picMk id="9" creationId="{ACEE17A2-4665-75A5-47BC-4A75A071B7C0}"/>
+          </ac:picMkLst>
+        </pc:picChg>
+        <pc:picChg chg="add mod">
+          <ac:chgData name="Arti Dikole" userId="9cc6781cf493934f" providerId="LiveId" clId="{D4886C41-9DC4-49A7-A481-2C39A5D0BE6C}" dt="2025-08-04T17:34:59.511" v="58" actId="1076"/>
+          <ac:picMkLst>
+            <pc:docMk/>
+            <pc:sldMk cId="384733178" sldId="2146847059"/>
+            <ac:picMk id="11" creationId="{53B83236-B21F-CA24-298B-177298107549}"/>
+          </ac:picMkLst>
+        </pc:picChg>
+        <pc:picChg chg="add mod">
+          <ac:chgData name="Arti Dikole" userId="9cc6781cf493934f" providerId="LiveId" clId="{D4886C41-9DC4-49A7-A481-2C39A5D0BE6C}" dt="2025-08-04T17:35:02.537" v="59" actId="1076"/>
+          <ac:picMkLst>
+            <pc:docMk/>
+            <pc:sldMk cId="384733178" sldId="2146847059"/>
+            <ac:picMk id="13" creationId="{4644BE16-0BDE-465A-612B-712F2C0E726A}"/>
+          </ac:picMkLst>
+        </pc:picChg>
+      </pc:sldChg>
+      <pc:sldChg chg="addSp delSp modSp mod">
+        <pc:chgData name="Arti Dikole" userId="9cc6781cf493934f" providerId="LiveId" clId="{D4886C41-9DC4-49A7-A481-2C39A5D0BE6C}" dt="2025-08-04T17:23:10.963" v="6" actId="14100"/>
+        <pc:sldMkLst>
+          <pc:docMk/>
+          <pc:sldMk cId="2083715239" sldId="2146847060"/>
+        </pc:sldMkLst>
+        <pc:spChg chg="add del mod">
+          <ac:chgData name="Arti Dikole" userId="9cc6781cf493934f" providerId="LiveId" clId="{D4886C41-9DC4-49A7-A481-2C39A5D0BE6C}" dt="2025-08-04T17:23:03.276" v="4" actId="478"/>
+          <ac:spMkLst>
+            <pc:docMk/>
+            <pc:sldMk cId="2083715239" sldId="2146847060"/>
+            <ac:spMk id="11" creationId="{C5A38735-B15B-B12C-5095-862098FEEC74}"/>
+          </ac:spMkLst>
+        </pc:spChg>
+        <pc:picChg chg="mod">
+          <ac:chgData name="Arti Dikole" userId="9cc6781cf493934f" providerId="LiveId" clId="{D4886C41-9DC4-49A7-A481-2C39A5D0BE6C}" dt="2025-08-04T17:23:10.963" v="6" actId="14100"/>
+          <ac:picMkLst>
+            <pc:docMk/>
+            <pc:sldMk cId="2083715239" sldId="2146847060"/>
+            <ac:picMk id="4" creationId="{CE04D55D-B18F-6EDC-D53D-82D079961E21}"/>
+          </ac:picMkLst>
+        </pc:picChg>
+        <pc:picChg chg="add del">
+          <ac:chgData name="Arti Dikole" userId="9cc6781cf493934f" providerId="LiveId" clId="{D4886C41-9DC4-49A7-A481-2C39A5D0BE6C}" dt="2025-08-04T17:23:03.276" v="4" actId="478"/>
+          <ac:picMkLst>
+            <pc:docMk/>
+            <pc:sldMk cId="2083715239" sldId="2146847060"/>
+            <ac:picMk id="9" creationId="{B585371A-5E60-DF5B-ECF8-E4CE137EA724}"/>
+          </ac:picMkLst>
+        </pc:picChg>
+      </pc:sldChg>
+      <pc:sldChg chg="modSp">
+        <pc:chgData name="Arti Dikole" userId="9cc6781cf493934f" providerId="LiveId" clId="{D4886C41-9DC4-49A7-A481-2C39A5D0BE6C}" dt="2025-08-04T17:48:17.626" v="61"/>
+        <pc:sldMkLst>
+          <pc:docMk/>
+          <pc:sldMk cId="2230664768" sldId="2146847061"/>
+        </pc:sldMkLst>
+        <pc:spChg chg="mod">
+          <ac:chgData name="Arti Dikole" userId="9cc6781cf493934f" providerId="LiveId" clId="{D4886C41-9DC4-49A7-A481-2C39A5D0BE6C}" dt="2025-08-04T17:48:17.626" v="61"/>
+          <ac:spMkLst>
+            <pc:docMk/>
+            <pc:sldMk cId="2230664768" sldId="2146847061"/>
+            <ac:spMk id="3" creationId="{51A299DD-46FA-7866-41D8-C1BFCC2F69DD}"/>
+          </ac:spMkLst>
+        </pc:spChg>
+      </pc:sldChg>
+      <pc:sldChg chg="addSp delSp modSp mod">
+        <pc:chgData name="Arti Dikole" userId="9cc6781cf493934f" providerId="LiveId" clId="{D4886C41-9DC4-49A7-A481-2C39A5D0BE6C}" dt="2025-08-04T17:24:18.978" v="10" actId="1076"/>
+        <pc:sldMkLst>
+          <pc:docMk/>
+          <pc:sldMk cId="1189541472" sldId="2146847067"/>
+        </pc:sldMkLst>
+        <pc:picChg chg="del">
+          <ac:chgData name="Arti Dikole" userId="9cc6781cf493934f" providerId="LiveId" clId="{D4886C41-9DC4-49A7-A481-2C39A5D0BE6C}" dt="2025-08-04T17:24:14.032" v="9" actId="21"/>
+          <ac:picMkLst>
+            <pc:docMk/>
+            <pc:sldMk cId="1189541472" sldId="2146847067"/>
+            <ac:picMk id="4" creationId="{58160D06-7AB9-E123-40C6-37292A37FD84}"/>
+          </ac:picMkLst>
+        </pc:picChg>
+        <pc:picChg chg="add mod">
+          <ac:chgData name="Arti Dikole" userId="9cc6781cf493934f" providerId="LiveId" clId="{D4886C41-9DC4-49A7-A481-2C39A5D0BE6C}" dt="2025-08-04T17:24:18.978" v="10" actId="1076"/>
+          <ac:picMkLst>
+            <pc:docMk/>
+            <pc:sldMk cId="1189541472" sldId="2146847067"/>
+            <ac:picMk id="5" creationId="{55CCB6F6-7D9E-5FDE-3ED1-6149B5B4D0D2}"/>
+          </ac:picMkLst>
+        </pc:picChg>
+      </pc:sldChg>
+      <pc:sldChg chg="addSp delSp modSp mod">
+        <pc:chgData name="Arti Dikole" userId="9cc6781cf493934f" providerId="LiveId" clId="{D4886C41-9DC4-49A7-A481-2C39A5D0BE6C}" dt="2025-08-04T17:27:09.421" v="26" actId="1076"/>
+        <pc:sldMkLst>
+          <pc:docMk/>
+          <pc:sldMk cId="1126302864" sldId="2146847068"/>
+        </pc:sldMkLst>
+        <pc:spChg chg="mod">
+          <ac:chgData name="Arti Dikole" userId="9cc6781cf493934f" providerId="LiveId" clId="{D4886C41-9DC4-49A7-A481-2C39A5D0BE6C}" dt="2025-08-04T17:25:10.003" v="17"/>
+          <ac:spMkLst>
+            <pc:docMk/>
+            <pc:sldMk cId="1126302864" sldId="2146847068"/>
+            <ac:spMk id="5" creationId="{16A49521-B5B7-63EE-905D-5E4ED1D0957F}"/>
+          </ac:spMkLst>
+        </pc:spChg>
+        <pc:picChg chg="del">
+          <ac:chgData name="Arti Dikole" userId="9cc6781cf493934f" providerId="LiveId" clId="{D4886C41-9DC4-49A7-A481-2C39A5D0BE6C}" dt="2025-08-04T17:24:54.381" v="13" actId="21"/>
+          <ac:picMkLst>
+            <pc:docMk/>
+            <pc:sldMk cId="1126302864" sldId="2146847068"/>
+            <ac:picMk id="3" creationId="{D5693625-3FD5-932E-3334-F54965E8A468}"/>
+          </ac:picMkLst>
+        </pc:picChg>
+        <pc:picChg chg="add del mod">
+          <ac:chgData name="Arti Dikole" userId="9cc6781cf493934f" providerId="LiveId" clId="{D4886C41-9DC4-49A7-A481-2C39A5D0BE6C}" dt="2025-08-04T17:27:03.747" v="24" actId="21"/>
+          <ac:picMkLst>
+            <pc:docMk/>
+            <pc:sldMk cId="1126302864" sldId="2146847068"/>
+            <ac:picMk id="6" creationId="{12FF4831-164E-DC5D-1293-921A59A02E8E}"/>
+          </ac:picMkLst>
+        </pc:picChg>
+        <pc:picChg chg="add mod">
+          <ac:chgData name="Arti Dikole" userId="9cc6781cf493934f" providerId="LiveId" clId="{D4886C41-9DC4-49A7-A481-2C39A5D0BE6C}" dt="2025-08-04T17:26:31.432" v="21" actId="1076"/>
+          <ac:picMkLst>
+            <pc:docMk/>
+            <pc:sldMk cId="1126302864" sldId="2146847068"/>
+            <ac:picMk id="8" creationId="{FAA67395-8128-EAFD-82F1-57D95C35D01D}"/>
+          </ac:picMkLst>
+        </pc:picChg>
+        <pc:picChg chg="add mod">
+          <ac:chgData name="Arti Dikole" userId="9cc6781cf493934f" providerId="LiveId" clId="{D4886C41-9DC4-49A7-A481-2C39A5D0BE6C}" dt="2025-08-04T17:27:09.421" v="26" actId="1076"/>
+          <ac:picMkLst>
+            <pc:docMk/>
+            <pc:sldMk cId="1126302864" sldId="2146847068"/>
+            <ac:picMk id="10" creationId="{66CB15B2-4476-2A7F-6F81-54A27578E28E}"/>
+          </ac:picMkLst>
+        </pc:picChg>
+      </pc:sldChg>
+      <pc:sldChg chg="addSp delSp modSp add mod">
+        <pc:chgData name="Arti Dikole" userId="9cc6781cf493934f" providerId="LiveId" clId="{D4886C41-9DC4-49A7-A481-2C39A5D0BE6C}" dt="2025-08-04T17:35:12.438" v="60" actId="1076"/>
+        <pc:sldMkLst>
+          <pc:docMk/>
+          <pc:sldMk cId="3890200522" sldId="2146847069"/>
+        </pc:sldMkLst>
+        <pc:picChg chg="add mod">
+          <ac:chgData name="Arti Dikole" userId="9cc6781cf493934f" providerId="LiveId" clId="{D4886C41-9DC4-49A7-A481-2C39A5D0BE6C}" dt="2025-08-04T17:35:12.438" v="60" actId="1076"/>
+          <ac:picMkLst>
+            <pc:docMk/>
+            <pc:sldMk cId="3890200522" sldId="2146847069"/>
+            <ac:picMk id="5" creationId="{B875D721-5BE0-6818-F44E-19A368F73172}"/>
+          </ac:picMkLst>
+        </pc:picChg>
+        <pc:picChg chg="del">
+          <ac:chgData name="Arti Dikole" userId="9cc6781cf493934f" providerId="LiveId" clId="{D4886C41-9DC4-49A7-A481-2C39A5D0BE6C}" dt="2025-08-04T17:33:59.533" v="45" actId="21"/>
+          <ac:picMkLst>
+            <pc:docMk/>
+            <pc:sldMk cId="3890200522" sldId="2146847069"/>
+            <ac:picMk id="11" creationId="{74789A13-223E-F7F9-0A5F-45251B660F8B}"/>
+          </ac:picMkLst>
+        </pc:picChg>
+        <pc:picChg chg="del">
+          <ac:chgData name="Arti Dikole" userId="9cc6781cf493934f" providerId="LiveId" clId="{D4886C41-9DC4-49A7-A481-2C39A5D0BE6C}" dt="2025-08-04T17:34:01.492" v="46" actId="21"/>
+          <ac:picMkLst>
+            <pc:docMk/>
+            <pc:sldMk cId="3890200522" sldId="2146847069"/>
+            <ac:picMk id="13" creationId="{0B9A0F20-F61F-4C11-4E72-0C6D18FEDD39}"/>
+          </ac:picMkLst>
+        </pc:picChg>
+      </pc:sldChg>
+    </pc:docChg>
+  </pc:docChgLst>
+</pc:chgInfo>
 </file>
 
 <file path=ppt/notesMasters/notesMaster1.xml><?xml version="1.0" encoding="utf-8"?>
@@ -4300,7 +4507,7 @@
         <p:spPr>
           <a:xfrm>
             <a:off x="3117529" y="4586365"/>
-            <a:ext cx="7980183" cy="1015663"/>
+            <a:ext cx="7980183" cy="400110"/>
           </a:xfrm>
           <a:prstGeom prst="rect">
             <a:avLst/>
@@ -4323,35 +4530,7 @@
                 <a:latin typeface="Arial" pitchFamily="34" charset="0"/>
                 <a:cs typeface="Arial" pitchFamily="34" charset="0"/>
               </a:rPr>
-              <a:t>Presented By:</a:t>
-            </a:r>
-          </a:p>
-          <a:p>
-            <a:r>
-              <a:rPr lang="en-US" sz="2000" b="1" dirty="0">
-                <a:solidFill>
-                  <a:schemeClr val="accent1">
-                    <a:lumMod val="75000"/>
-                  </a:schemeClr>
-                </a:solidFill>
-                <a:latin typeface="Arial" pitchFamily="34" charset="0"/>
-                <a:cs typeface="Arial" pitchFamily="34" charset="0"/>
-              </a:rPr>
-              <a:t>Student name :</a:t>
-            </a:r>
-          </a:p>
-          <a:p>
-            <a:r>
-              <a:rPr lang="en-US" sz="2000" b="1" dirty="0">
-                <a:solidFill>
-                  <a:schemeClr val="accent1">
-                    <a:lumMod val="75000"/>
-                  </a:schemeClr>
-                </a:solidFill>
-                <a:latin typeface="Arial"/>
-                <a:cs typeface="Arial"/>
-              </a:rPr>
-              <a:t>College Name &amp; Department : </a:t>
+              <a:t>Presented By: Arti Sunil Dikole</a:t>
             </a:r>
           </a:p>
         </p:txBody>
@@ -4426,10 +4605,10 @@
       </p:sp>
       <p:pic>
         <p:nvPicPr>
-          <p:cNvPr id="4" name="Picture 3" descr="A screenshot of a computer&#10;&#10;AI-generated content may be incorrect.">
+          <p:cNvPr id="5" name="Picture 4">
             <a:extLst>
               <a:ext uri="{FF2B5EF4-FFF2-40B4-BE49-F238E27FC236}">
-                <a16:creationId xmlns:a16="http://schemas.microsoft.com/office/drawing/2014/main" id="{58160D06-7AB9-E123-40C6-37292A37FD84}"/>
+                <a16:creationId xmlns:a16="http://schemas.microsoft.com/office/drawing/2014/main" id="{55CCB6F6-7D9E-5FDE-3ED1-6149B5B4D0D2}"/>
               </a:ext>
             </a:extLst>
           </p:cNvPr>
@@ -4446,8 +4625,8 @@
         </p:blipFill>
         <p:spPr>
           <a:xfrm>
-            <a:off x="5216513" y="618067"/>
-            <a:ext cx="5861944" cy="5598157"/>
+            <a:off x="3346244" y="1032387"/>
+            <a:ext cx="8521291" cy="4793226"/>
           </a:xfrm>
           <a:prstGeom prst="rect">
             <a:avLst/>
@@ -4522,12 +4701,65 @@
           </a:p>
         </p:txBody>
       </p:sp>
+      <p:sp>
+        <p:nvSpPr>
+          <p:cNvPr id="5" name="TextBox 4">
+            <a:extLst>
+              <a:ext uri="{FF2B5EF4-FFF2-40B4-BE49-F238E27FC236}">
+                <a16:creationId xmlns:a16="http://schemas.microsoft.com/office/drawing/2014/main" id="{16A49521-B5B7-63EE-905D-5E4ED1D0957F}"/>
+              </a:ext>
+            </a:extLst>
+          </p:cNvPr>
+          <p:cNvSpPr txBox="1"/>
+          <p:nvPr/>
+        </p:nvSpPr>
+        <p:spPr>
+          <a:xfrm>
+            <a:off x="2712275" y="1134307"/>
+            <a:ext cx="3937052" cy="523220"/>
+          </a:xfrm>
+          <a:prstGeom prst="rect">
+            <a:avLst/>
+          </a:prstGeom>
+          <a:noFill/>
+        </p:spPr>
+        <p:txBody>
+          <a:bodyPr rot="0" spcFirstLastPara="0" vertOverflow="overflow" horzOverflow="overflow" vert="horz" wrap="square" lIns="91440" tIns="45720" rIns="91440" bIns="45720" numCol="1" spcCol="0" rtlCol="0" fromWordArt="0" anchor="t" anchorCtr="0" forceAA="0" compatLnSpc="1">
+            <a:prstTxWarp prst="textNoShape">
+              <a:avLst/>
+            </a:prstTxWarp>
+            <a:spAutoFit/>
+          </a:bodyPr>
+          <a:lstStyle/>
+          <a:p>
+            <a:r>
+              <a:rPr lang="en-US" sz="2800">
+                <a:solidFill>
+                  <a:schemeClr val="accent2"/>
+                </a:solidFill>
+                <a:latin typeface="Calibri"/>
+                <a:ea typeface="Calibri"/>
+                <a:cs typeface="Calibri"/>
+              </a:rPr>
+              <a:t>Deployed AI Agent</a:t>
+            </a:r>
+            <a:endParaRPr lang="en-US" sz="2800" dirty="0">
+              <a:solidFill>
+                <a:schemeClr val="accent2"/>
+              </a:solidFill>
+              <a:latin typeface="Calibri"/>
+              <a:ea typeface="Calibri"/>
+              <a:cs typeface="Calibri"/>
+            </a:endParaRPr>
+          </a:p>
+        </p:txBody>
+      </p:sp>
       <p:pic>
         <p:nvPicPr>
-          <p:cNvPr id="3" name="Picture 2" descr="A screenshot of a computer&#10;&#10;AI-generated content may be incorrect.">
+          <p:cNvPr id="10" name="Picture 9">
             <a:extLst>
               <a:ext uri="{FF2B5EF4-FFF2-40B4-BE49-F238E27FC236}">
-                <a16:creationId xmlns:a16="http://schemas.microsoft.com/office/drawing/2014/main" id="{D5693625-3FD5-932E-3334-F54965E8A468}"/>
+                <a16:creationId xmlns:a16="http://schemas.microsoft.com/office/drawing/2014/main" id="{66CB15B2-4476-2A7F-6F81-54A27578E28E}"/>
               </a:ext>
             </a:extLst>
           </p:cNvPr>
@@ -4544,59 +4776,14 @@
         </p:blipFill>
         <p:spPr>
           <a:xfrm>
-            <a:off x="2714625" y="2531076"/>
-            <a:ext cx="6762750" cy="3505200"/>
+            <a:off x="2792361" y="1664603"/>
+            <a:ext cx="8357419" cy="4701048"/>
           </a:xfrm>
           <a:prstGeom prst="rect">
             <a:avLst/>
           </a:prstGeom>
         </p:spPr>
       </p:pic>
-      <p:sp>
-        <p:nvSpPr>
-          <p:cNvPr id="5" name="TextBox 4">
-            <a:extLst>
-              <a:ext uri="{FF2B5EF4-FFF2-40B4-BE49-F238E27FC236}">
-                <a16:creationId xmlns:a16="http://schemas.microsoft.com/office/drawing/2014/main" id="{16A49521-B5B7-63EE-905D-5E4ED1D0957F}"/>
-              </a:ext>
-            </a:extLst>
-          </p:cNvPr>
-          <p:cNvSpPr txBox="1"/>
-          <p:nvPr/>
-        </p:nvSpPr>
-        <p:spPr>
-          <a:xfrm>
-            <a:off x="2712275" y="1559382"/>
-            <a:ext cx="3937052" cy="523220"/>
-          </a:xfrm>
-          <a:prstGeom prst="rect">
-            <a:avLst/>
-          </a:prstGeom>
-          <a:noFill/>
-        </p:spPr>
-        <p:txBody>
-          <a:bodyPr rot="0" spcFirstLastPara="0" vertOverflow="overflow" horzOverflow="overflow" vert="horz" wrap="square" lIns="91440" tIns="45720" rIns="91440" bIns="45720" numCol="1" spcCol="0" rtlCol="0" fromWordArt="0" anchor="t" anchorCtr="0" forceAA="0" compatLnSpc="1">
-            <a:prstTxWarp prst="textNoShape">
-              <a:avLst/>
-            </a:prstTxWarp>
-            <a:spAutoFit/>
-          </a:bodyPr>
-          <a:lstStyle/>
-          <a:p>
-            <a:r>
-              <a:rPr lang="en-US" sz="2800" dirty="0">
-                <a:solidFill>
-                  <a:schemeClr val="accent2"/>
-                </a:solidFill>
-                <a:latin typeface="Calibri"/>
-                <a:ea typeface="Calibri"/>
-                <a:cs typeface="Calibri"/>
-              </a:rPr>
-              <a:t>Deployed AI Agent</a:t>
-            </a:r>
-          </a:p>
-        </p:txBody>
-      </p:sp>
     </p:spTree>
     <p:extLst>
       <p:ext uri="{BB962C8B-B14F-4D97-AF65-F5344CB8AC3E}">
@@ -5136,7 +5323,7 @@
           <a:p>
             <a:r>
               <a:rPr lang="en-IN" dirty="0"/>
-              <a:t>Make sure that there should be readme file</a:t>
+              <a:t>https://github.com/DikoleArti/Agentic-AI-Health-Symptom-Checker</a:t>
             </a:r>
           </a:p>
         </p:txBody>
@@ -5524,6 +5711,66 @@
           </a:p>
         </p:txBody>
       </p:sp>
+      <p:pic>
+        <p:nvPicPr>
+          <p:cNvPr id="11" name="Picture 10">
+            <a:extLst>
+              <a:ext uri="{FF2B5EF4-FFF2-40B4-BE49-F238E27FC236}">
+                <a16:creationId xmlns:a16="http://schemas.microsoft.com/office/drawing/2014/main" id="{53B83236-B21F-CA24-298B-177298107549}"/>
+              </a:ext>
+            </a:extLst>
+          </p:cNvPr>
+          <p:cNvPicPr>
+            <a:picLocks noChangeAspect="1"/>
+          </p:cNvPicPr>
+          <p:nvPr/>
+        </p:nvPicPr>
+        <p:blipFill>
+          <a:blip r:embed="rId2"/>
+          <a:stretch>
+            <a:fillRect/>
+          </a:stretch>
+        </p:blipFill>
+        <p:spPr>
+          <a:xfrm>
+            <a:off x="442452" y="1232452"/>
+            <a:ext cx="5270090" cy="4072342"/>
+          </a:xfrm>
+          <a:prstGeom prst="rect">
+            <a:avLst/>
+          </a:prstGeom>
+        </p:spPr>
+      </p:pic>
+      <p:pic>
+        <p:nvPicPr>
+          <p:cNvPr id="13" name="Picture 12">
+            <a:extLst>
+              <a:ext uri="{FF2B5EF4-FFF2-40B4-BE49-F238E27FC236}">
+                <a16:creationId xmlns:a16="http://schemas.microsoft.com/office/drawing/2014/main" id="{4644BE16-0BDE-465A-612B-712F2C0E726A}"/>
+              </a:ext>
+            </a:extLst>
+          </p:cNvPr>
+          <p:cNvPicPr>
+            <a:picLocks noChangeAspect="1"/>
+          </p:cNvPicPr>
+          <p:nvPr/>
+        </p:nvPicPr>
+        <p:blipFill>
+          <a:blip r:embed="rId3"/>
+          <a:stretch>
+            <a:fillRect/>
+          </a:stretch>
+        </p:blipFill>
+        <p:spPr>
+          <a:xfrm>
+            <a:off x="6103008" y="1232452"/>
+            <a:ext cx="5646539" cy="4008575"/>
+          </a:xfrm>
+          <a:prstGeom prst="rect">
+            <a:avLst/>
+          </a:prstGeom>
+        </p:spPr>
+      </p:pic>
     </p:spTree>
     <p:extLst>
       <p:ext uri="{BB962C8B-B14F-4D97-AF65-F5344CB8AC3E}">
@@ -5538,6 +5785,140 @@
 </file>
 
 <file path=ppt/slides/slide16.xml><?xml version="1.0" encoding="utf-8"?>
+<p:sld xmlns:a="http://schemas.openxmlformats.org/drawingml/2006/main" xmlns:r="http://schemas.openxmlformats.org/officeDocument/2006/relationships" xmlns:p="http://schemas.openxmlformats.org/presentationml/2006/main">
+  <p:cSld>
+    <p:spTree>
+      <p:nvGrpSpPr>
+        <p:cNvPr id="1" name="">
+          <a:extLst>
+            <a:ext uri="{FF2B5EF4-FFF2-40B4-BE49-F238E27FC236}">
+              <a16:creationId xmlns:a16="http://schemas.microsoft.com/office/drawing/2014/main" id="{0D2563DD-B6B2-09E1-96E0-4E3FD9E0E0C9}"/>
+            </a:ext>
+          </a:extLst>
+        </p:cNvPr>
+        <p:cNvGrpSpPr/>
+        <p:nvPr/>
+      </p:nvGrpSpPr>
+      <p:grpSpPr>
+        <a:xfrm>
+          <a:off x="0" y="0"/>
+          <a:ext cx="0" cy="0"/>
+          <a:chOff x="0" y="0"/>
+          <a:chExt cx="0" cy="0"/>
+        </a:xfrm>
+      </p:grpSpPr>
+      <p:sp>
+        <p:nvSpPr>
+          <p:cNvPr id="2" name="Title 1">
+            <a:extLst>
+              <a:ext uri="{FF2B5EF4-FFF2-40B4-BE49-F238E27FC236}">
+                <a16:creationId xmlns:a16="http://schemas.microsoft.com/office/drawing/2014/main" id="{5A4A8473-EE32-F8BF-B002-7F0ADA32A422}"/>
+              </a:ext>
+            </a:extLst>
+          </p:cNvPr>
+          <p:cNvSpPr>
+            <a:spLocks noGrp="1"/>
+          </p:cNvSpPr>
+          <p:nvPr>
+            <p:ph type="title"/>
+          </p:nvPr>
+        </p:nvSpPr>
+        <p:spPr/>
+        <p:txBody>
+          <a:bodyPr/>
+          <a:lstStyle/>
+          <a:p>
+            <a:r>
+              <a:rPr lang="en-IN" dirty="0">
+                <a:solidFill>
+                  <a:schemeClr val="accent1"/>
+                </a:solidFill>
+              </a:rPr>
+              <a:t>IBM Certifications</a:t>
+            </a:r>
+          </a:p>
+        </p:txBody>
+      </p:sp>
+      <p:sp>
+        <p:nvSpPr>
+          <p:cNvPr id="3" name="Content Placeholder 2">
+            <a:extLst>
+              <a:ext uri="{FF2B5EF4-FFF2-40B4-BE49-F238E27FC236}">
+                <a16:creationId xmlns:a16="http://schemas.microsoft.com/office/drawing/2014/main" id="{C8D10BB5-691F-29B7-84E4-2368C797D08F}"/>
+              </a:ext>
+            </a:extLst>
+          </p:cNvPr>
+          <p:cNvSpPr>
+            <a:spLocks noGrp="1"/>
+          </p:cNvSpPr>
+          <p:nvPr>
+            <p:ph idx="1"/>
+          </p:nvPr>
+        </p:nvSpPr>
+        <p:spPr/>
+        <p:txBody>
+          <a:bodyPr/>
+          <a:lstStyle/>
+          <a:p>
+            <a:r>
+              <a:rPr lang="en-IN" dirty="0"/>
+              <a:t>Screenshot/ </a:t>
+            </a:r>
+            <a:r>
+              <a:rPr lang="en-IN" dirty="0" err="1"/>
+              <a:t>credly</a:t>
+            </a:r>
+            <a:r>
+              <a:rPr lang="en-IN" dirty="0"/>
+              <a:t> certificate( getting started with AI)</a:t>
+            </a:r>
+          </a:p>
+        </p:txBody>
+      </p:sp>
+      <p:pic>
+        <p:nvPicPr>
+          <p:cNvPr id="5" name="Picture 4">
+            <a:extLst>
+              <a:ext uri="{FF2B5EF4-FFF2-40B4-BE49-F238E27FC236}">
+                <a16:creationId xmlns:a16="http://schemas.microsoft.com/office/drawing/2014/main" id="{B875D721-5BE0-6818-F44E-19A368F73172}"/>
+              </a:ext>
+            </a:extLst>
+          </p:cNvPr>
+          <p:cNvPicPr>
+            <a:picLocks noChangeAspect="1"/>
+          </p:cNvPicPr>
+          <p:nvPr/>
+        </p:nvPicPr>
+        <p:blipFill>
+          <a:blip r:embed="rId2"/>
+          <a:stretch>
+            <a:fillRect/>
+          </a:stretch>
+        </p:blipFill>
+        <p:spPr>
+          <a:xfrm>
+            <a:off x="423876" y="1240574"/>
+            <a:ext cx="7343609" cy="5188032"/>
+          </a:xfrm>
+          <a:prstGeom prst="rect">
+            <a:avLst/>
+          </a:prstGeom>
+        </p:spPr>
+      </p:pic>
+    </p:spTree>
+    <p:extLst>
+      <p:ext uri="{BB962C8B-B14F-4D97-AF65-F5344CB8AC3E}">
+        <p14:creationId xmlns:p14="http://schemas.microsoft.com/office/powerpoint/2010/main" val="3890200522"/>
+      </p:ext>
+    </p:extLst>
+  </p:cSld>
+  <p:clrMapOvr>
+    <a:masterClrMapping/>
+  </p:clrMapOvr>
+</p:sld>
+</file>
+
+<file path=ppt/slides/slide17.xml><?xml version="1.0" encoding="utf-8"?>
 <p:sld xmlns:a="http://schemas.openxmlformats.org/drawingml/2006/main" xmlns:r="http://schemas.openxmlformats.org/officeDocument/2006/relationships" xmlns:p="http://schemas.openxmlformats.org/presentationml/2006/main">
   <p:cSld>
     <p:spTree>
@@ -6417,52 +6798,6 @@
               <a:t>Supporting Tools &amp; Frameworks</a:t>
             </a:r>
             <a:endParaRPr lang="en-IN" sz="1800" dirty="0"/>
-          </a:p>
-          <a:p>
-            <a:pPr>
-              <a:buFont typeface="Wingdings" panose="05000000000000000000" pitchFamily="2" charset="2"/>
-              <a:buChar char="v"/>
-            </a:pPr>
-            <a:r>
-              <a:rPr lang="en-IN" sz="1800" b="1" dirty="0" err="1"/>
-              <a:t>FastAPI</a:t>
-            </a:r>
-            <a:r>
-              <a:rPr lang="en-IN" sz="1800" b="1" dirty="0"/>
-              <a:t> / Node.js</a:t>
-            </a:r>
-            <a:r>
-              <a:rPr lang="en-IN" sz="1800" dirty="0"/>
-              <a:t> – Backend service to connect AI with UI.</a:t>
-            </a:r>
-          </a:p>
-          <a:p>
-            <a:pPr>
-              <a:buFont typeface="Wingdings" panose="05000000000000000000" pitchFamily="2" charset="2"/>
-              <a:buChar char="v"/>
-            </a:pPr>
-            <a:r>
-              <a:rPr lang="en-IN" sz="1800" b="1" dirty="0"/>
-              <a:t>React / Next.js</a:t>
-            </a:r>
-            <a:r>
-              <a:rPr lang="en-IN" sz="1800" dirty="0"/>
-              <a:t> – Interactive and responsive front-end interface.</a:t>
-            </a:r>
-          </a:p>
-          <a:p>
-            <a:pPr>
-              <a:buFont typeface="Wingdings" panose="05000000000000000000" pitchFamily="2" charset="2"/>
-              <a:buChar char="v"/>
-            </a:pPr>
-            <a:r>
-              <a:rPr lang="en-IN" sz="1800" b="1" dirty="0"/>
-              <a:t>MongoDB / PostgreSQL</a:t>
-            </a:r>
-            <a:r>
-              <a:rPr lang="en-IN" sz="1800" dirty="0"/>
-              <a:t> – Secure storage of patient interaction data.</a:t>
-            </a:r>
           </a:p>
         </p:txBody>
       </p:sp>
@@ -7427,10 +7762,10 @@
       </p:sp>
       <p:pic>
         <p:nvPicPr>
-          <p:cNvPr id="4" name="Picture 3" descr="A screenshot of a computer&#10;&#10;AI-generated content may be incorrect.">
+          <p:cNvPr id="7" name="Picture 6">
             <a:extLst>
               <a:ext uri="{FF2B5EF4-FFF2-40B4-BE49-F238E27FC236}">
-                <a16:creationId xmlns:a16="http://schemas.microsoft.com/office/drawing/2014/main" id="{52A59727-7B5F-F198-C013-B2ABF221F54C}"/>
+                <a16:creationId xmlns:a16="http://schemas.microsoft.com/office/drawing/2014/main" id="{5A834115-437C-24DB-252C-A742759116A4}"/>
               </a:ext>
             </a:extLst>
           </p:cNvPr>
@@ -7447,8 +7782,8 @@
         </p:blipFill>
         <p:spPr>
           <a:xfrm>
-            <a:off x="5193312" y="618067"/>
-            <a:ext cx="5908345" cy="5598157"/>
+            <a:off x="3016936" y="967304"/>
+            <a:ext cx="8468851" cy="4763729"/>
           </a:xfrm>
           <a:prstGeom prst="rect">
             <a:avLst/>
@@ -7543,6 +7878,36 @@
           <a:xfrm>
             <a:off x="5201086" y="618067"/>
             <a:ext cx="5892797" cy="5598157"/>
+          </a:xfrm>
+          <a:prstGeom prst="rect">
+            <a:avLst/>
+          </a:prstGeom>
+        </p:spPr>
+      </p:pic>
+      <p:pic>
+        <p:nvPicPr>
+          <p:cNvPr id="4" name="Picture 3">
+            <a:extLst>
+              <a:ext uri="{FF2B5EF4-FFF2-40B4-BE49-F238E27FC236}">
+                <a16:creationId xmlns:a16="http://schemas.microsoft.com/office/drawing/2014/main" id="{CE04D55D-B18F-6EDC-D53D-82D079961E21}"/>
+              </a:ext>
+            </a:extLst>
+          </p:cNvPr>
+          <p:cNvPicPr>
+            <a:picLocks noChangeAspect="1"/>
+          </p:cNvPicPr>
+          <p:nvPr/>
+        </p:nvPicPr>
+        <p:blipFill>
+          <a:blip r:embed="rId3"/>
+          <a:stretch>
+            <a:fillRect/>
+          </a:stretch>
+        </p:blipFill>
+        <p:spPr>
+          <a:xfrm>
+            <a:off x="2890510" y="702156"/>
+            <a:ext cx="9193336" cy="5171252"/>
           </a:xfrm>
           <a:prstGeom prst="rect">
             <a:avLst/>
@@ -8127,6 +8492,23 @@
 </file>
 
 <file path=customXml/item1.xml><?xml version="1.0" encoding="utf-8"?>
+<?mso-contentType ?>
+<FormTemplates xmlns="http://schemas.microsoft.com/sharepoint/v3/contenttype/forms">
+  <Display>DocumentLibraryForm</Display>
+  <Edit>DocumentLibraryForm</Edit>
+  <New>DocumentLibraryForm</New>
+</FormTemplates>
+</file>
+
+<file path=customXml/item2.xml><?xml version="1.0" encoding="utf-8"?>
+<p:properties xmlns:p="http://schemas.microsoft.com/office/2006/metadata/properties" xmlns:xsi="http://www.w3.org/2001/XMLSchema-instance" xmlns:pc="http://schemas.microsoft.com/office/infopath/2007/PartnerControls">
+  <documentManagement>
+    <_activity xmlns="b30265f8-c5e2-4918-b4a1-b977299ca3e2" xsi:nil="true"/>
+  </documentManagement>
+</p:properties>
+</file>
+
+<file path=customXml/item3.xml><?xml version="1.0" encoding="utf-8"?>
 <ct:contentTypeSchema xmlns:ct="http://schemas.microsoft.com/office/2006/metadata/contentType" xmlns:ma="http://schemas.microsoft.com/office/2006/metadata/properties/metaAttributes" ct:_="" ma:_="" ma:contentTypeName="Document" ma:contentTypeID="0x0101007F0268AC5E70984D8FE60B7154176407" ma:contentTypeVersion="15" ma:contentTypeDescription="Create a new document." ma:contentTypeScope="" ma:versionID="104e359103f0f57b1cf9676756e5b944">
   <xsd:schema xmlns:xsd="http://www.w3.org/2001/XMLSchema" xmlns:xs="http://www.w3.org/2001/XMLSchema" xmlns:p="http://schemas.microsoft.com/office/2006/metadata/properties" xmlns:ns3="b30265f8-c5e2-4918-b4a1-b977299ca3e2" xmlns:ns4="fadb41d3-f9cb-40fb-903c-8cacaba95bb5" targetNamespace="http://schemas.microsoft.com/office/2006/metadata/properties" ma:root="true" ma:fieldsID="5615b8f8aa772998bad551f24a33de0e" ns3:_="" ns4:_="">
     <xsd:import namespace="b30265f8-c5e2-4918-b4a1-b977299ca3e2"/>
@@ -8359,38 +8741,10 @@
 </ct:contentTypeSchema>
 </file>
 
-<file path=customXml/item2.xml><?xml version="1.0" encoding="utf-8"?>
-<p:properties xmlns:p="http://schemas.microsoft.com/office/2006/metadata/properties" xmlns:xsi="http://www.w3.org/2001/XMLSchema-instance" xmlns:pc="http://schemas.microsoft.com/office/infopath/2007/PartnerControls">
-  <documentManagement>
-    <_activity xmlns="b30265f8-c5e2-4918-b4a1-b977299ca3e2" xsi:nil="true"/>
-  </documentManagement>
-</p:properties>
-</file>
-
-<file path=customXml/item3.xml><?xml version="1.0" encoding="utf-8"?>
-<?mso-contentType ?>
-<FormTemplates xmlns="http://schemas.microsoft.com/sharepoint/v3/contenttype/forms">
-  <Display>DocumentLibraryForm</Display>
-  <Edit>DocumentLibraryForm</Edit>
-  <New>DocumentLibraryForm</New>
-</FormTemplates>
-</file>
-
 <file path=customXml/itemProps1.xml><?xml version="1.0" encoding="utf-8"?>
-<ds:datastoreItem xmlns:ds="http://schemas.openxmlformats.org/officeDocument/2006/customXml" ds:itemID="{9DD71778-17EE-4151-88AE-C8F4E8043BD9}">
+<ds:datastoreItem xmlns:ds="http://schemas.openxmlformats.org/officeDocument/2006/customXml" ds:itemID="{927BD4C1-B6B1-4715-ABF9-E660A51A4EA0}">
   <ds:schemaRefs>
-    <ds:schemaRef ds:uri="http://schemas.microsoft.com/office/2006/metadata/contentType"/>
-    <ds:schemaRef ds:uri="http://schemas.microsoft.com/office/2006/metadata/properties/metaAttributes"/>
-    <ds:schemaRef ds:uri="http://www.w3.org/2001/XMLSchema"/>
-    <ds:schemaRef ds:uri="http://schemas.microsoft.com/office/2006/metadata/properties"/>
-    <ds:schemaRef ds:uri="b30265f8-c5e2-4918-b4a1-b977299ca3e2"/>
-    <ds:schemaRef ds:uri="fadb41d3-f9cb-40fb-903c-8cacaba95bb5"/>
-    <ds:schemaRef ds:uri="http://schemas.microsoft.com/office/2006/documentManagement/types"/>
-    <ds:schemaRef ds:uri="http://schemas.microsoft.com/office/infopath/2007/PartnerControls"/>
-    <ds:schemaRef ds:uri="http://schemas.openxmlformats.org/package/2006/metadata/core-properties"/>
-    <ds:schemaRef ds:uri="http://purl.org/dc/elements/1.1/"/>
-    <ds:schemaRef ds:uri="http://purl.org/dc/terms/"/>
-    <ds:schemaRef ds:uri="http://schemas.microsoft.com/internal/obd"/>
+    <ds:schemaRef ds:uri="http://schemas.microsoft.com/sharepoint/v3/contenttype/forms"/>
   </ds:schemaRefs>
 </ds:datastoreItem>
 </file>
@@ -8413,9 +8767,20 @@
 </file>
 
 <file path=customXml/itemProps3.xml><?xml version="1.0" encoding="utf-8"?>
-<ds:datastoreItem xmlns:ds="http://schemas.openxmlformats.org/officeDocument/2006/customXml" ds:itemID="{927BD4C1-B6B1-4715-ABF9-E660A51A4EA0}">
+<ds:datastoreItem xmlns:ds="http://schemas.openxmlformats.org/officeDocument/2006/customXml" ds:itemID="{9DD71778-17EE-4151-88AE-C8F4E8043BD9}">
   <ds:schemaRefs>
-    <ds:schemaRef ds:uri="http://schemas.microsoft.com/sharepoint/v3/contenttype/forms"/>
+    <ds:schemaRef ds:uri="http://schemas.microsoft.com/office/2006/metadata/contentType"/>
+    <ds:schemaRef ds:uri="http://schemas.microsoft.com/office/2006/metadata/properties/metaAttributes"/>
+    <ds:schemaRef ds:uri="http://www.w3.org/2001/XMLSchema"/>
+    <ds:schemaRef ds:uri="http://schemas.microsoft.com/office/2006/metadata/properties"/>
+    <ds:schemaRef ds:uri="b30265f8-c5e2-4918-b4a1-b977299ca3e2"/>
+    <ds:schemaRef ds:uri="fadb41d3-f9cb-40fb-903c-8cacaba95bb5"/>
+    <ds:schemaRef ds:uri="http://schemas.microsoft.com/office/2006/documentManagement/types"/>
+    <ds:schemaRef ds:uri="http://schemas.microsoft.com/office/infopath/2007/PartnerControls"/>
+    <ds:schemaRef ds:uri="http://schemas.openxmlformats.org/package/2006/metadata/core-properties"/>
+    <ds:schemaRef ds:uri="http://purl.org/dc/elements/1.1/"/>
+    <ds:schemaRef ds:uri="http://purl.org/dc/terms/"/>
+    <ds:schemaRef ds:uri="http://schemas.microsoft.com/internal/obd"/>
   </ds:schemaRefs>
 </ds:datastoreItem>
 </file>